--- a/Docs/Promethium.pptx
+++ b/Docs/Promethium.pptx
@@ -248,6 +248,11 @@
       </a:defRPr>
     </a:lvl9pPr>
   </p:defaultTextStyle>
+  <p:extLst>
+    <p:ext uri="{EFAFB233-063F-42B5-8137-9DF3F51BA10A}">
+      <p15:sldGuideLst xmlns:p15="http://schemas.microsoft.com/office/powerpoint/2012/main"/>
+    </p:ext>
+  </p:extLst>
 </p:presentation>
 </file>
 
@@ -38410,13 +38415,13 @@
   <p:clrMapOvr>
     <a:masterClrMapping/>
   </p:clrMapOvr>
-  <mc:AlternateContent xmlns:mc="http://schemas.openxmlformats.org/markup-compatibility/2006">
-    <mc:Choice xmlns:p14="http://schemas.microsoft.com/office/powerpoint/2010/main" Requires="p14">
+  <mc:AlternateContent xmlns:mc="http://schemas.openxmlformats.org/markup-compatibility/2006" xmlns:p14="http://schemas.microsoft.com/office/powerpoint/2010/main">
+    <mc:Choice Requires="p14">
       <p:transition spd="slow" p14:dur="1200">
         <p14:prism/>
       </p:transition>
     </mc:Choice>
-    <mc:Fallback>
+    <mc:Fallback xmlns="">
       <p:transition spd="slow">
         <p:fade/>
       </p:transition>
@@ -39142,13 +39147,13 @@
   <p:clrMapOvr>
     <a:masterClrMapping/>
   </p:clrMapOvr>
-  <mc:AlternateContent xmlns:mc="http://schemas.openxmlformats.org/markup-compatibility/2006">
-    <mc:Choice xmlns:p14="http://schemas.microsoft.com/office/powerpoint/2010/main" Requires="p14">
+  <mc:AlternateContent xmlns:mc="http://schemas.openxmlformats.org/markup-compatibility/2006" xmlns:p14="http://schemas.microsoft.com/office/powerpoint/2010/main">
+    <mc:Choice Requires="p14">
       <p:transition spd="slow" p14:dur="1200">
         <p14:prism/>
       </p:transition>
     </mc:Choice>
-    <mc:Fallback>
+    <mc:Fallback xmlns="">
       <p:transition spd="slow">
         <p:fade/>
       </p:transition>
@@ -39293,13 +39298,13 @@
   <p:clrMapOvr>
     <a:masterClrMapping/>
   </p:clrMapOvr>
-  <mc:AlternateContent xmlns:mc="http://schemas.openxmlformats.org/markup-compatibility/2006">
-    <mc:Choice xmlns:p14="http://schemas.microsoft.com/office/powerpoint/2010/main" Requires="p14">
+  <mc:AlternateContent xmlns:mc="http://schemas.openxmlformats.org/markup-compatibility/2006" xmlns:p14="http://schemas.microsoft.com/office/powerpoint/2010/main">
+    <mc:Choice Requires="p14">
       <p:transition spd="slow" p14:dur="1200">
         <p14:prism/>
       </p:transition>
     </mc:Choice>
-    <mc:Fallback>
+    <mc:Fallback xmlns="">
       <p:transition spd="slow">
         <p:fade/>
       </p:transition>
@@ -39432,13 +39437,13 @@
   <p:clrMapOvr>
     <a:masterClrMapping/>
   </p:clrMapOvr>
-  <mc:AlternateContent xmlns:mc="http://schemas.openxmlformats.org/markup-compatibility/2006">
-    <mc:Choice xmlns:p14="http://schemas.microsoft.com/office/powerpoint/2010/main" Requires="p14">
+  <mc:AlternateContent xmlns:mc="http://schemas.openxmlformats.org/markup-compatibility/2006" xmlns:p14="http://schemas.microsoft.com/office/powerpoint/2010/main">
+    <mc:Choice Requires="p14">
       <p:transition spd="slow" p14:dur="1200">
         <p14:prism/>
       </p:transition>
     </mc:Choice>
-    <mc:Fallback>
+    <mc:Fallback xmlns="">
       <p:transition spd="slow">
         <p:fade/>
       </p:transition>
@@ -39606,13 +39611,13 @@
   <p:clrMapOvr>
     <a:masterClrMapping/>
   </p:clrMapOvr>
-  <mc:AlternateContent xmlns:mc="http://schemas.openxmlformats.org/markup-compatibility/2006">
-    <mc:Choice xmlns:p14="http://schemas.microsoft.com/office/powerpoint/2010/main" Requires="p14">
+  <mc:AlternateContent xmlns:mc="http://schemas.openxmlformats.org/markup-compatibility/2006" xmlns:p14="http://schemas.microsoft.com/office/powerpoint/2010/main">
+    <mc:Choice Requires="p14">
       <p:transition spd="slow" p14:dur="1200">
         <p14:prism/>
       </p:transition>
     </mc:Choice>
-    <mc:Fallback>
+    <mc:Fallback xmlns="">
       <p:transition spd="slow">
         <p:fade/>
       </p:transition>
@@ -40074,13 +40079,13 @@
   <p:clrMapOvr>
     <a:masterClrMapping/>
   </p:clrMapOvr>
-  <mc:AlternateContent xmlns:mc="http://schemas.openxmlformats.org/markup-compatibility/2006">
-    <mc:Choice xmlns:p14="http://schemas.microsoft.com/office/powerpoint/2010/main" Requires="p14">
+  <mc:AlternateContent xmlns:mc="http://schemas.openxmlformats.org/markup-compatibility/2006" xmlns:p14="http://schemas.microsoft.com/office/powerpoint/2010/main">
+    <mc:Choice Requires="p14">
       <p:transition spd="slow" p14:dur="1200">
         <p14:prism/>
       </p:transition>
     </mc:Choice>
-    <mc:Fallback>
+    <mc:Fallback xmlns="">
       <p:transition spd="slow">
         <p:fade/>
       </p:transition>
@@ -40235,7 +40240,7 @@
         </p:blipFill>
         <p:spPr bwMode="auto">
           <a:xfrm>
-            <a:off x="1124526" y="1697724"/>
+            <a:off x="898125" y="1697724"/>
             <a:ext cx="1333345" cy="1308894"/>
           </a:xfrm>
           <a:prstGeom prst="rect">
@@ -40282,7 +40287,7 @@
         </p:blipFill>
         <p:spPr bwMode="auto">
           <a:xfrm>
-            <a:off x="2902967" y="1697724"/>
+            <a:off x="2672442" y="1713535"/>
             <a:ext cx="1394354" cy="1394354"/>
           </a:xfrm>
           <a:prstGeom prst="rect">
@@ -40348,7 +40353,7 @@
         </p:blipFill>
         <p:spPr bwMode="auto">
           <a:xfrm>
-            <a:off x="4603437" y="1622219"/>
+            <a:off x="4331322" y="1638030"/>
             <a:ext cx="1491767" cy="1545364"/>
           </a:xfrm>
           <a:prstGeom prst="rect">
@@ -40404,92 +40409,8 @@
         </p:blipFill>
         <p:spPr bwMode="auto">
           <a:xfrm>
-            <a:off x="5559524" y="1273936"/>
+            <a:off x="5273774" y="1273936"/>
             <a:ext cx="3086376" cy="2156469"/>
-          </a:xfrm>
-          <a:prstGeom prst="rect">
-            <a:avLst/>
-          </a:prstGeom>
-          <a:noFill/>
-          <a:extLst>
-            <a:ext uri="{909E8E84-426E-40DD-AFC4-6F175D3DCCD1}">
-              <a14:hiddenFill xmlns:a14="http://schemas.microsoft.com/office/drawing/2010/main">
-                <a:solidFill>
-                  <a:srgbClr val="FFFFFF"/>
-                </a:solidFill>
-              </a14:hiddenFill>
-            </a:ext>
-          </a:extLst>
-        </p:spPr>
-      </p:pic>
-      <p:pic>
-        <p:nvPicPr>
-          <p:cNvPr id="4112" name="Picture 16" descr="Html5 And Css3 - Transparent Background Html Logo, HD Png Download , Transparent  Png Image - PNGitem">
-            <a:extLst>
-              <a:ext uri="{FF2B5EF4-FFF2-40B4-BE49-F238E27FC236}">
-                <a16:creationId xmlns:a16="http://schemas.microsoft.com/office/drawing/2014/main" id="{76ECC2CB-D09D-4B21-A129-8D99576F54A2}"/>
-              </a:ext>
-            </a:extLst>
-          </p:cNvPr>
-          <p:cNvPicPr>
-            <a:picLocks noChangeAspect="1" noChangeArrowheads="1"/>
-          </p:cNvPicPr>
-          <p:nvPr/>
-        </p:nvPicPr>
-        <p:blipFill>
-          <a:blip r:embed="rId9">
-            <a:extLst>
-              <a:ext uri="{BEBA8EAE-BF5A-486C-A8C5-ECC9F3942E4B}">
-                <a14:imgProps xmlns:a14="http://schemas.microsoft.com/office/drawing/2010/main">
-                  <a14:imgLayer r:embed="rId10">
-                    <a14:imgEffect>
-                      <a14:backgroundRemoval t="9928" b="93502" l="3837" r="95349">
-                        <a14:foregroundMark x1="7326" y1="31769" x2="10349" y2="58484"/>
-                        <a14:foregroundMark x1="36395" y1="71661" x2="38721" y2="46029"/>
-                        <a14:foregroundMark x1="91977" y1="30144" x2="93140" y2="62816"/>
-                        <a14:foregroundMark x1="93140" y1="62816" x2="92209" y2="72744"/>
-                        <a14:foregroundMark x1="92209" y1="72744" x2="92209" y2="72744"/>
-                        <a14:foregroundMark x1="36512" y1="72383" x2="29651" y2="87545"/>
-                        <a14:foregroundMark x1="29651" y1="87545" x2="27907" y2="87906"/>
-                        <a14:foregroundMark x1="36395" y1="33935" x2="15698" y2="32671"/>
-                        <a14:foregroundMark x1="24884" y1="49097" x2="30000" y2="48736"/>
-                        <a14:foregroundMark x1="9302" y1="65162" x2="16395" y2="87004"/>
-                        <a14:foregroundMark x1="16395" y1="87004" x2="23140" y2="87726"/>
-                        <a14:foregroundMark x1="24767" y1="61913" x2="21744" y2="62274"/>
-                        <a14:foregroundMark x1="95233" y1="26534" x2="95465" y2="29061"/>
-                        <a14:foregroundMark x1="80000" y1="91516" x2="75581" y2="90794"/>
-                        <a14:foregroundMark x1="75581" y1="90794" x2="75581" y2="90794"/>
-                        <a14:foregroundMark x1="74767" y1="92780" x2="72093" y2="91516"/>
-                        <a14:foregroundMark x1="77442" y1="92960" x2="76047" y2="92238"/>
-                        <a14:foregroundMark x1="75814" y1="93682" x2="75233" y2="93682"/>
-                        <a14:foregroundMark x1="4535" y1="30686" x2="3837" y2="23646"/>
-                        <a14:foregroundMark x1="92209" y1="32491" x2="92209" y2="32491"/>
-                        <a14:foregroundMark x1="92209" y1="32491" x2="68605" y2="31769"/>
-                        <a14:foregroundMark x1="68605" y1="31769" x2="61163" y2="35379"/>
-                        <a14:foregroundMark x1="61163" y1="35379" x2="61395" y2="52166"/>
-                        <a14:foregroundMark x1="61395" y1="52166" x2="67442" y2="79061"/>
-                        <a14:foregroundMark x1="67442" y1="79061" x2="77442" y2="86101"/>
-                        <a14:foregroundMark x1="77442" y1="86101" x2="82907" y2="84657"/>
-                        <a14:foregroundMark x1="64535" y1="64440" x2="75814" y2="67148"/>
-                      </a14:backgroundRemoval>
-                    </a14:imgEffect>
-                  </a14:imgLayer>
-                </a14:imgProps>
-              </a:ext>
-              <a:ext uri="{28A0092B-C50C-407E-A947-70E740481C1C}">
-                <a14:useLocalDpi xmlns:a14="http://schemas.microsoft.com/office/drawing/2010/main" val="0"/>
-              </a:ext>
-            </a:extLst>
-          </a:blip>
-          <a:srcRect/>
-          <a:stretch>
-            <a:fillRect/>
-          </a:stretch>
-        </p:blipFill>
-        <p:spPr bwMode="auto">
-          <a:xfrm>
-            <a:off x="1124526" y="2779956"/>
-            <a:ext cx="3168671" cy="2041052"/>
           </a:xfrm>
           <a:prstGeom prst="rect">
             <a:avLst/>
@@ -40521,7 +40442,7 @@
           <p:nvPr/>
         </p:nvPicPr>
         <p:blipFill>
-          <a:blip r:embed="rId11">
+          <a:blip r:embed="rId9">
             <a:extLst>
               <a:ext uri="{28A0092B-C50C-407E-A947-70E740481C1C}">
                 <a14:useLocalDpi xmlns:a14="http://schemas.microsoft.com/office/drawing/2010/main" val="0"/>
@@ -40535,7 +40456,7 @@
         </p:blipFill>
         <p:spPr bwMode="auto">
           <a:xfrm>
-            <a:off x="4646292" y="3243013"/>
+            <a:off x="4509983" y="3289914"/>
             <a:ext cx="1679414" cy="1253101"/>
           </a:xfrm>
           <a:prstGeom prst="rect">
@@ -40568,7 +40489,7 @@
           <p:nvPr/>
         </p:nvPicPr>
         <p:blipFill>
-          <a:blip r:embed="rId12">
+          <a:blip r:embed="rId10">
             <a:extLst>
               <a:ext uri="{28A0092B-C50C-407E-A947-70E740481C1C}">
                 <a14:useLocalDpi xmlns:a14="http://schemas.microsoft.com/office/drawing/2010/main" val="0"/>
@@ -40582,8 +40503,55 @@
         </p:blipFill>
         <p:spPr bwMode="auto">
           <a:xfrm>
-            <a:off x="6556207" y="3092078"/>
+            <a:off x="6523130" y="3140796"/>
             <a:ext cx="1217438" cy="1420428"/>
+          </a:xfrm>
+          <a:prstGeom prst="rect">
+            <a:avLst/>
+          </a:prstGeom>
+          <a:noFill/>
+          <a:extLst>
+            <a:ext uri="{909E8E84-426E-40DD-AFC4-6F175D3DCCD1}">
+              <a14:hiddenFill xmlns:a14="http://schemas.microsoft.com/office/drawing/2010/main">
+                <a:solidFill>
+                  <a:srgbClr val="FFFFFF"/>
+                </a:solidFill>
+              </a14:hiddenFill>
+            </a:ext>
+          </a:extLst>
+        </p:spPr>
+      </p:pic>
+      <p:pic>
+        <p:nvPicPr>
+          <p:cNvPr id="1026" name="Picture 2" descr="Icon Request: fa-javascript OR fa-js · Issue #11419 ·  FortAwesome/Font-Awesome · GitHub">
+            <a:extLst>
+              <a:ext uri="{FF2B5EF4-FFF2-40B4-BE49-F238E27FC236}">
+                <a16:creationId xmlns:a16="http://schemas.microsoft.com/office/drawing/2014/main" id="{18A1E1C7-160D-4388-A010-B22FB977B228}"/>
+              </a:ext>
+            </a:extLst>
+          </p:cNvPr>
+          <p:cNvPicPr>
+            <a:picLocks noChangeAspect="1" noChangeArrowheads="1"/>
+          </p:cNvPicPr>
+          <p:nvPr/>
+        </p:nvPicPr>
+        <p:blipFill>
+          <a:blip r:embed="rId11">
+            <a:extLst>
+              <a:ext uri="{28A0092B-C50C-407E-A947-70E740481C1C}">
+                <a14:useLocalDpi xmlns:a14="http://schemas.microsoft.com/office/drawing/2010/main" val="0"/>
+              </a:ext>
+            </a:extLst>
+          </a:blip>
+          <a:srcRect/>
+          <a:stretch>
+            <a:fillRect/>
+          </a:stretch>
+        </p:blipFill>
+        <p:spPr bwMode="auto">
+          <a:xfrm>
+            <a:off x="925117" y="2958606"/>
+            <a:ext cx="3202771" cy="1876488"/>
           </a:xfrm>
           <a:prstGeom prst="rect">
             <a:avLst/>
@@ -40610,13 +40578,13 @@
   <p:clrMapOvr>
     <a:masterClrMapping/>
   </p:clrMapOvr>
-  <mc:AlternateContent xmlns:mc="http://schemas.openxmlformats.org/markup-compatibility/2006">
-    <mc:Choice xmlns:p14="http://schemas.microsoft.com/office/powerpoint/2010/main" Requires="p14">
+  <mc:AlternateContent xmlns:mc="http://schemas.openxmlformats.org/markup-compatibility/2006" xmlns:p14="http://schemas.microsoft.com/office/powerpoint/2010/main">
+    <mc:Choice Requires="p14">
       <p:transition spd="slow" p14:dur="1200">
         <p14:prism/>
       </p:transition>
     </mc:Choice>
-    <mc:Fallback>
+    <mc:Fallback xmlns="">
       <p:transition spd="slow">
         <p:fade/>
       </p:transition>
@@ -40694,13 +40662,13 @@
   <p:clrMapOvr>
     <a:masterClrMapping/>
   </p:clrMapOvr>
-  <mc:AlternateContent xmlns:mc="http://schemas.openxmlformats.org/markup-compatibility/2006">
-    <mc:Choice xmlns:p14="http://schemas.microsoft.com/office/powerpoint/2010/main" Requires="p14">
+  <mc:AlternateContent xmlns:mc="http://schemas.openxmlformats.org/markup-compatibility/2006" xmlns:p14="http://schemas.microsoft.com/office/powerpoint/2010/main">
+    <mc:Choice Requires="p14">
       <p:transition spd="slow" p14:dur="1200">
         <p14:prism/>
       </p:transition>
     </mc:Choice>
-    <mc:Fallback>
+    <mc:Fallback xmlns="">
       <p:transition spd="slow">
         <p:fade/>
       </p:transition>
